--- a/img/TDDA.pptx
+++ b/img/TDDA.pptx
@@ -4517,8 +4517,8 @@
           </a:p>
         </p:txBody>
       </p:sp>
-      <mc:AlternateContent xmlns:mc="http://schemas.openxmlformats.org/markup-compatibility/2006">
-        <mc:Choice xmlns:a14="http://schemas.microsoft.com/office/drawing/2010/main" Requires="a14">
+      <mc:AlternateContent xmlns:mc="http://schemas.openxmlformats.org/markup-compatibility/2006" xmlns:a14="http://schemas.microsoft.com/office/drawing/2010/main">
+        <mc:Choice Requires="a14">
           <p:sp>
             <p:nvSpPr>
               <p:cNvPr id="9" name="직사각형 13"/>
@@ -4729,7 +4729,7 @@
             </p:txBody>
           </p:sp>
         </mc:Choice>
-        <mc:Fallback>
+        <mc:Fallback xmlns="">
           <p:sp>
             <p:nvSpPr>
               <p:cNvPr id="9" name="직사각형 13"/>
@@ -4799,23 +4799,7 @@
                 <a:latin typeface="Cambria Math" panose="02040503050406030204" pitchFamily="18" charset="0"/>
                 <a:ea typeface="Cambria Math" panose="02040503050406030204" pitchFamily="18" charset="0"/>
               </a:rPr>
-              <a:t>Simulation </a:t>
-            </a:r>
-            <a:r>
-              <a:rPr lang="en-US" sz="1600" b="0" i="0" dirty="0" smtClean="0">
-                <a:effectLst/>
-                <a:latin typeface="Cambria Math" panose="02040503050406030204" pitchFamily="18" charset="0"/>
-                <a:ea typeface="Cambria Math" panose="02040503050406030204" pitchFamily="18" charset="0"/>
-              </a:rPr>
-              <a:t>via </a:t>
-            </a:r>
-            <a:r>
-              <a:rPr lang="en-US" sz="1600" b="0" i="0" dirty="0" err="1" smtClean="0">
-                <a:effectLst/>
-                <a:latin typeface="Cambria Math" panose="02040503050406030204" pitchFamily="18" charset="0"/>
-                <a:ea typeface="Cambria Math" panose="02040503050406030204" pitchFamily="18" charset="0"/>
-              </a:rPr>
-              <a:t>Matlab</a:t>
+              <a:t>Simulation via Matlab</a:t>
             </a:r>
             <a:r>
               <a:rPr lang="en-US" sz="1600" dirty="0">
@@ -4972,18 +4956,13 @@
                     <a:lstStyle/>
                     <a:p>
                       <a:r>
-                        <a:rPr lang="en-US" dirty="0" err="1" smtClean="0"/>
-                        <a:t>avg</a:t>
-                      </a:r>
-                      <a:r>
                         <a:rPr lang="en-US" dirty="0" smtClean="0"/>
-                        <a:t> rpm</a:t>
+                        <a:t>avg rpm</a:t>
                       </a:r>
                       <a:r>
                         <a:rPr lang="en-US" baseline="0" dirty="0" smtClean="0"/>
                         <a:t> 750</a:t>
                       </a:r>
-                      <a:endParaRPr lang="en-US" baseline="0" dirty="0" smtClean="0"/>
                     </a:p>
                   </a:txBody>
                   <a:tcPr/>
@@ -5074,18 +5053,13 @@
                         <a:defRPr/>
                       </a:pPr>
                       <a:r>
-                        <a:rPr lang="en-US" dirty="0" err="1" smtClean="0"/>
-                        <a:t>avg</a:t>
-                      </a:r>
-                      <a:r>
                         <a:rPr lang="en-US" dirty="0" smtClean="0"/>
-                        <a:t> rpm</a:t>
+                        <a:t>avg rpm</a:t>
                       </a:r>
                       <a:r>
                         <a:rPr lang="en-US" baseline="0" dirty="0" smtClean="0"/>
                         <a:t> 1000</a:t>
                       </a:r>
-                      <a:endParaRPr lang="en-US" baseline="0" dirty="0" smtClean="0"/>
                     </a:p>
                   </a:txBody>
                   <a:tcPr/>
@@ -5176,14 +5150,9 @@
                         <a:defRPr/>
                       </a:pPr>
                       <a:r>
-                        <a:rPr lang="en-US" baseline="0" dirty="0" err="1" smtClean="0"/>
-                        <a:t>avg</a:t>
+                        <a:rPr lang="en-US" baseline="0" dirty="0" smtClean="0"/>
+                        <a:t>avg rpm 1200</a:t>
                       </a:r>
-                      <a:r>
-                        <a:rPr lang="en-US" baseline="0" dirty="0" smtClean="0"/>
-                        <a:t> rpm 1200</a:t>
-                      </a:r>
-                      <a:endParaRPr lang="en-US" baseline="0" dirty="0" smtClean="0"/>
                     </a:p>
                   </a:txBody>
                   <a:tcPr/>
@@ -5274,14 +5243,9 @@
                         <a:defRPr/>
                       </a:pPr>
                       <a:r>
-                        <a:rPr lang="en-US" baseline="0" dirty="0" err="1" smtClean="0"/>
-                        <a:t>avg</a:t>
+                        <a:rPr lang="en-US" baseline="0" dirty="0" smtClean="0"/>
+                        <a:t>avg rpm 1600</a:t>
                       </a:r>
-                      <a:r>
-                        <a:rPr lang="en-US" baseline="0" dirty="0" smtClean="0"/>
-                        <a:t> rpm 1600</a:t>
-                      </a:r>
-                      <a:endParaRPr lang="en-US" baseline="0" dirty="0" smtClean="0"/>
                     </a:p>
                   </a:txBody>
                   <a:tcPr/>
@@ -5456,31 +5420,7 @@
                 <a:latin typeface="Cambria Math" panose="02040503050406030204" pitchFamily="18" charset="0"/>
                 <a:ea typeface="Cambria Math" panose="02040503050406030204" pitchFamily="18" charset="0"/>
               </a:rPr>
-              <a:t>Each time series </a:t>
-            </a:r>
-            <a:r>
-              <a:rPr lang="en-US" sz="1600" b="0" i="0" dirty="0" smtClean="0">
-                <a:effectLst/>
-                <a:latin typeface="Cambria Math" panose="02040503050406030204" pitchFamily="18" charset="0"/>
-                <a:ea typeface="Cambria Math" panose="02040503050406030204" pitchFamily="18" charset="0"/>
-              </a:rPr>
-              <a:t>is </a:t>
-            </a:r>
-            <a:r>
-              <a:rPr lang="en-US" sz="1600" b="0" i="0" dirty="0" smtClean="0">
-                <a:effectLst/>
-                <a:latin typeface="Cambria Math" panose="02040503050406030204" pitchFamily="18" charset="0"/>
-                <a:ea typeface="Cambria Math" panose="02040503050406030204" pitchFamily="18" charset="0"/>
-              </a:rPr>
-              <a:t>2 seconds long (2000 samples</a:t>
-            </a:r>
-            <a:r>
-              <a:rPr lang="en-US" sz="1600" b="0" i="0" dirty="0" smtClean="0">
-                <a:effectLst/>
-                <a:latin typeface="Cambria Math" panose="02040503050406030204" pitchFamily="18" charset="0"/>
-                <a:ea typeface="Cambria Math" panose="02040503050406030204" pitchFamily="18" charset="0"/>
-              </a:rPr>
-              <a:t>). </a:t>
+              <a:t>Each time series is 2 seconds long (2000 samples). </a:t>
             </a:r>
             <a:r>
               <a:rPr lang="en-US" sz="1600" dirty="0" smtClean="0">
@@ -5527,8 +5467,8 @@
           </a:p>
         </p:txBody>
       </p:sp>
-      <mc:AlternateContent xmlns:mc="http://schemas.openxmlformats.org/markup-compatibility/2006">
-        <mc:Choice xmlns:a14="http://schemas.microsoft.com/office/drawing/2010/main" Requires="a14">
+      <mc:AlternateContent xmlns:mc="http://schemas.openxmlformats.org/markup-compatibility/2006" xmlns:a14="http://schemas.microsoft.com/office/drawing/2010/main">
+        <mc:Choice Requires="a14">
           <p:sp>
             <p:nvSpPr>
               <p:cNvPr id="15" name="직사각형 13"/>
@@ -5550,6 +5490,7 @@
               </a:bodyPr>
               <a:lstStyle/>
               <a:p>
+                <a:pPr/>
                 <a14:m>
                   <m:oMathPara xmlns:m="http://schemas.openxmlformats.org/officeDocument/2006/math">
                     <m:oMathParaPr>
@@ -5603,7 +5544,7 @@
             </p:txBody>
           </p:sp>
         </mc:Choice>
-        <mc:Fallback>
+        <mc:Fallback xmlns="">
           <p:sp>
             <p:nvSpPr>
               <p:cNvPr id="15" name="직사각형 13"/>
@@ -5642,8 +5583,8 @@
           </p:sp>
         </mc:Fallback>
       </mc:AlternateContent>
-      <mc:AlternateContent xmlns:mc="http://schemas.openxmlformats.org/markup-compatibility/2006">
-        <mc:Choice xmlns:a14="http://schemas.microsoft.com/office/drawing/2010/main" Requires="a14">
+      <mc:AlternateContent xmlns:mc="http://schemas.openxmlformats.org/markup-compatibility/2006" xmlns:a14="http://schemas.microsoft.com/office/drawing/2010/main">
+        <mc:Choice Requires="a14">
           <p:sp>
             <p:nvSpPr>
               <p:cNvPr id="16" name="직사각형 13"/>
@@ -5907,7 +5848,7 @@
             </p:txBody>
           </p:sp>
         </mc:Choice>
-        <mc:Fallback>
+        <mc:Fallback xmlns="">
           <p:sp>
             <p:nvSpPr>
               <p:cNvPr id="16" name="직사각형 13"/>
@@ -5946,8 +5887,8 @@
           </p:sp>
         </mc:Fallback>
       </mc:AlternateContent>
-      <mc:AlternateContent xmlns:mc="http://schemas.openxmlformats.org/markup-compatibility/2006">
-        <mc:Choice xmlns:a14="http://schemas.microsoft.com/office/drawing/2010/main" Requires="a14">
+      <mc:AlternateContent xmlns:mc="http://schemas.openxmlformats.org/markup-compatibility/2006" xmlns:a14="http://schemas.microsoft.com/office/drawing/2010/main">
+        <mc:Choice Requires="a14">
           <p:sp>
             <p:nvSpPr>
               <p:cNvPr id="17" name="직사각형 13"/>
@@ -5969,7 +5910,6 @@
               </a:bodyPr>
               <a:lstStyle/>
               <a:p>
-                <a:pPr/>
                 <a14:m>
                   <m:oMath xmlns:m="http://schemas.openxmlformats.org/officeDocument/2006/math">
                     <m:r>
@@ -6018,16 +5958,7 @@
                       <a:rPr lang="en-US" sz="1600" b="0" i="0" smtClean="0">
                         <a:latin typeface="Cambria Math" panose="02040503050406030204" pitchFamily="18" charset="0"/>
                       </a:rPr>
-                      <m:t>p</m:t>
-                    </m:r>
-                    <m:r>
-                      <m:rPr>
-                        <m:sty m:val="p"/>
-                      </m:rPr>
-                      <a:rPr lang="en-US" sz="1600" b="0" i="0" smtClean="0">
-                        <a:latin typeface="Cambria Math" panose="02040503050406030204" pitchFamily="18" charset="0"/>
-                      </a:rPr>
-                      <m:t>ump</m:t>
+                      <m:t>pump</m:t>
                     </m:r>
                   </m:oMath>
                 </a14:m>
@@ -6050,7 +5981,7 @@
             </p:txBody>
           </p:sp>
         </mc:Choice>
-        <mc:Fallback>
+        <mc:Fallback xmlns="">
           <p:sp>
             <p:nvSpPr>
               <p:cNvPr id="17" name="직사각형 13"/>
